--- a/Battle-City.pptx
+++ b/Battle-City.pptx
@@ -166,7 +166,7 @@
           <a:noFill/>
           <a:extLst>
             <a:ext uri="{909E8E84-426E-40dd-AFC4-6F175D3DCCD1}">
-              <a14:hiddenFill xmlns="" xmlns:a14="http://schemas.microsoft.com/office/drawing/2010/main">
+              <a14:hiddenFill xmlns:a14="http://schemas.microsoft.com/office/drawing/2010/main" xmlns="">
                 <a:solidFill>
                   <a:srgbClr val="FFFFFF"/>
                 </a:solidFill>
@@ -226,7 +226,7 @@
             </a:ln>
             <a:extLst>
               <a:ext uri="{91240B29-F687-4f45-9708-019B960494DF}">
-                <a14:hiddenLine xmlns="" xmlns:a14="http://schemas.microsoft.com/office/drawing/2010/main" w="9525">
+                <a14:hiddenLine xmlns:a14="http://schemas.microsoft.com/office/drawing/2010/main" xmlns="" w="9525">
                   <a:solidFill>
                     <a:srgbClr val="000000"/>
                   </a:solidFill>
@@ -316,7 +316,7 @@
             </a:ln>
             <a:extLst>
               <a:ext uri="{91240B29-F687-4f45-9708-019B960494DF}">
-                <a14:hiddenLine xmlns="" xmlns:a14="http://schemas.microsoft.com/office/drawing/2010/main" w="9525">
+                <a14:hiddenLine xmlns:a14="http://schemas.microsoft.com/office/drawing/2010/main" xmlns="" w="9525">
                   <a:solidFill>
                     <a:srgbClr val="000000"/>
                   </a:solidFill>
@@ -406,7 +406,7 @@
             </a:ln>
             <a:extLst>
               <a:ext uri="{91240B29-F687-4f45-9708-019B960494DF}">
-                <a14:hiddenLine xmlns="" xmlns:a14="http://schemas.microsoft.com/office/drawing/2010/main" w="9525">
+                <a14:hiddenLine xmlns:a14="http://schemas.microsoft.com/office/drawing/2010/main" xmlns="" w="9525">
                   <a:solidFill>
                     <a:srgbClr val="000000"/>
                   </a:solidFill>
@@ -440,7 +440,7 @@
             </a:ln>
             <a:extLst>
               <a:ext uri="{91240B29-F687-4f45-9708-019B960494DF}">
-                <a14:hiddenLine xmlns="" xmlns:a14="http://schemas.microsoft.com/office/drawing/2010/main" w="9525">
+                <a14:hiddenLine xmlns:a14="http://schemas.microsoft.com/office/drawing/2010/main" xmlns="" w="9525">
                   <a:solidFill>
                     <a:srgbClr val="000000"/>
                   </a:solidFill>
@@ -530,7 +530,7 @@
             </a:ln>
             <a:extLst>
               <a:ext uri="{91240B29-F687-4f45-9708-019B960494DF}">
-                <a14:hiddenLine xmlns="" xmlns:a14="http://schemas.microsoft.com/office/drawing/2010/main" w="9525">
+                <a14:hiddenLine xmlns:a14="http://schemas.microsoft.com/office/drawing/2010/main" xmlns="" w="9525">
                   <a:solidFill>
                     <a:srgbClr val="000000"/>
                   </a:solidFill>
@@ -592,7 +592,7 @@
             </a:ln>
             <a:extLst>
               <a:ext uri="{91240B29-F687-4f45-9708-019B960494DF}">
-                <a14:hiddenLine xmlns="" xmlns:a14="http://schemas.microsoft.com/office/drawing/2010/main" w="9525">
+                <a14:hiddenLine xmlns:a14="http://schemas.microsoft.com/office/drawing/2010/main" xmlns="" w="9525">
                   <a:solidFill>
                     <a:srgbClr val="000000"/>
                   </a:solidFill>
@@ -654,7 +654,7 @@
             </a:ln>
             <a:extLst>
               <a:ext uri="{91240B29-F687-4f45-9708-019B960494DF}">
-                <a14:hiddenLine xmlns="" xmlns:a14="http://schemas.microsoft.com/office/drawing/2010/main" w="9525">
+                <a14:hiddenLine xmlns:a14="http://schemas.microsoft.com/office/drawing/2010/main" xmlns="" w="9525">
                   <a:solidFill>
                     <a:srgbClr val="000000"/>
                   </a:solidFill>
@@ -744,7 +744,7 @@
             </a:ln>
             <a:extLst>
               <a:ext uri="{91240B29-F687-4f45-9708-019B960494DF}">
-                <a14:hiddenLine xmlns="" xmlns:a14="http://schemas.microsoft.com/office/drawing/2010/main" w="9525">
+                <a14:hiddenLine xmlns:a14="http://schemas.microsoft.com/office/drawing/2010/main" xmlns="" w="9525">
                   <a:solidFill>
                     <a:srgbClr val="000000"/>
                   </a:solidFill>
@@ -806,7 +806,7 @@
             </a:ln>
             <a:extLst>
               <a:ext uri="{91240B29-F687-4f45-9708-019B960494DF}">
-                <a14:hiddenLine xmlns="" xmlns:a14="http://schemas.microsoft.com/office/drawing/2010/main" w="9525">
+                <a14:hiddenLine xmlns:a14="http://schemas.microsoft.com/office/drawing/2010/main" xmlns="" w="9525">
                   <a:solidFill>
                     <a:srgbClr val="000000"/>
                   </a:solidFill>
@@ -868,7 +868,7 @@
             </a:ln>
             <a:extLst>
               <a:ext uri="{91240B29-F687-4f45-9708-019B960494DF}">
-                <a14:hiddenLine xmlns="" xmlns:a14="http://schemas.microsoft.com/office/drawing/2010/main" w="9525">
+                <a14:hiddenLine xmlns:a14="http://schemas.microsoft.com/office/drawing/2010/main" xmlns="" w="9525">
                   <a:solidFill>
                     <a:srgbClr val="000000"/>
                   </a:solidFill>
@@ -958,7 +958,7 @@
             </a:ln>
             <a:extLst>
               <a:ext uri="{91240B29-F687-4f45-9708-019B960494DF}">
-                <a14:hiddenLine xmlns="" xmlns:a14="http://schemas.microsoft.com/office/drawing/2010/main" w="9525">
+                <a14:hiddenLine xmlns:a14="http://schemas.microsoft.com/office/drawing/2010/main" xmlns="" w="9525">
                   <a:solidFill>
                     <a:srgbClr val="000000"/>
                   </a:solidFill>
@@ -1048,7 +1048,7 @@
             </a:ln>
             <a:extLst>
               <a:ext uri="{91240B29-F687-4f45-9708-019B960494DF}">
-                <a14:hiddenLine xmlns="" xmlns:a14="http://schemas.microsoft.com/office/drawing/2010/main" w="9525">
+                <a14:hiddenLine xmlns:a14="http://schemas.microsoft.com/office/drawing/2010/main" xmlns="" w="9525">
                   <a:solidFill>
                     <a:srgbClr val="000000"/>
                   </a:solidFill>
@@ -1110,7 +1110,7 @@
             </a:ln>
             <a:extLst>
               <a:ext uri="{91240B29-F687-4f45-9708-019B960494DF}">
-                <a14:hiddenLine xmlns="" xmlns:a14="http://schemas.microsoft.com/office/drawing/2010/main" w="9525">
+                <a14:hiddenLine xmlns:a14="http://schemas.microsoft.com/office/drawing/2010/main" xmlns="" w="9525">
                   <a:solidFill>
                     <a:srgbClr val="000000"/>
                   </a:solidFill>
@@ -1220,7 +1220,7 @@
             </a:ln>
             <a:extLst>
               <a:ext uri="{91240B29-F687-4f45-9708-019B960494DF}">
-                <a14:hiddenLine xmlns="" xmlns:a14="http://schemas.microsoft.com/office/drawing/2010/main" w="9525">
+                <a14:hiddenLine xmlns:a14="http://schemas.microsoft.com/office/drawing/2010/main" xmlns="" w="9525">
                   <a:solidFill>
                     <a:srgbClr val="000000"/>
                   </a:solidFill>
@@ -1282,7 +1282,7 @@
             </a:ln>
             <a:extLst>
               <a:ext uri="{91240B29-F687-4f45-9708-019B960494DF}">
-                <a14:hiddenLine xmlns="" xmlns:a14="http://schemas.microsoft.com/office/drawing/2010/main" w="9525">
+                <a14:hiddenLine xmlns:a14="http://schemas.microsoft.com/office/drawing/2010/main" xmlns="" w="9525">
                   <a:solidFill>
                     <a:srgbClr val="000000"/>
                   </a:solidFill>
@@ -1372,7 +1372,7 @@
             </a:ln>
             <a:extLst>
               <a:ext uri="{91240B29-F687-4f45-9708-019B960494DF}">
-                <a14:hiddenLine xmlns="" xmlns:a14="http://schemas.microsoft.com/office/drawing/2010/main" w="9525">
+                <a14:hiddenLine xmlns:a14="http://schemas.microsoft.com/office/drawing/2010/main" xmlns="" w="9525">
                   <a:solidFill>
                     <a:srgbClr val="000000"/>
                   </a:solidFill>
@@ -1462,7 +1462,7 @@
             </a:ln>
             <a:extLst>
               <a:ext uri="{91240B29-F687-4f45-9708-019B960494DF}">
-                <a14:hiddenLine xmlns="" xmlns:a14="http://schemas.microsoft.com/office/drawing/2010/main" w="9525">
+                <a14:hiddenLine xmlns:a14="http://schemas.microsoft.com/office/drawing/2010/main" xmlns="" w="9525">
                   <a:solidFill>
                     <a:srgbClr val="000000"/>
                   </a:solidFill>
@@ -1524,7 +1524,7 @@
             </a:ln>
             <a:extLst>
               <a:ext uri="{91240B29-F687-4f45-9708-019B960494DF}">
-                <a14:hiddenLine xmlns="" xmlns:a14="http://schemas.microsoft.com/office/drawing/2010/main" w="9525">
+                <a14:hiddenLine xmlns:a14="http://schemas.microsoft.com/office/drawing/2010/main" xmlns="" w="9525">
                   <a:solidFill>
                     <a:srgbClr val="000000"/>
                   </a:solidFill>
@@ -1614,7 +1614,7 @@
             </a:ln>
             <a:extLst>
               <a:ext uri="{91240B29-F687-4f45-9708-019B960494DF}">
-                <a14:hiddenLine xmlns="" xmlns:a14="http://schemas.microsoft.com/office/drawing/2010/main" w="9525">
+                <a14:hiddenLine xmlns:a14="http://schemas.microsoft.com/office/drawing/2010/main" xmlns="" w="9525">
                   <a:solidFill>
                     <a:srgbClr val="000000"/>
                   </a:solidFill>
@@ -1704,7 +1704,7 @@
             </a:ln>
             <a:extLst>
               <a:ext uri="{91240B29-F687-4f45-9708-019B960494DF}">
-                <a14:hiddenLine xmlns="" xmlns:a14="http://schemas.microsoft.com/office/drawing/2010/main" w="9525">
+                <a14:hiddenLine xmlns:a14="http://schemas.microsoft.com/office/drawing/2010/main" xmlns="" w="9525">
                   <a:solidFill>
                     <a:srgbClr val="000000"/>
                   </a:solidFill>
@@ -1760,7 +1760,7 @@
             </a:ln>
             <a:extLst>
               <a:ext uri="{91240B29-F687-4f45-9708-019B960494DF}">
-                <a14:hiddenLine xmlns="" xmlns:a14="http://schemas.microsoft.com/office/drawing/2010/main" w="9525">
+                <a14:hiddenLine xmlns:a14="http://schemas.microsoft.com/office/drawing/2010/main" xmlns="" w="9525">
                   <a:solidFill>
                     <a:srgbClr val="000000"/>
                   </a:solidFill>
@@ -1850,7 +1850,7 @@
             </a:ln>
             <a:extLst>
               <a:ext uri="{91240B29-F687-4f45-9708-019B960494DF}">
-                <a14:hiddenLine xmlns="" xmlns:a14="http://schemas.microsoft.com/office/drawing/2010/main" w="9525">
+                <a14:hiddenLine xmlns:a14="http://schemas.microsoft.com/office/drawing/2010/main" xmlns="" w="9525">
                   <a:solidFill>
                     <a:srgbClr val="000000"/>
                   </a:solidFill>
@@ -1906,7 +1906,7 @@
             </a:ln>
             <a:extLst>
               <a:ext uri="{91240B29-F687-4f45-9708-019B960494DF}">
-                <a14:hiddenLine xmlns="" xmlns:a14="http://schemas.microsoft.com/office/drawing/2010/main" w="9525">
+                <a14:hiddenLine xmlns:a14="http://schemas.microsoft.com/office/drawing/2010/main" xmlns="" w="9525">
                   <a:solidFill>
                     <a:srgbClr val="000000"/>
                   </a:solidFill>
@@ -1996,7 +1996,7 @@
             </a:ln>
             <a:extLst>
               <a:ext uri="{91240B29-F687-4f45-9708-019B960494DF}">
-                <a14:hiddenLine xmlns="" xmlns:a14="http://schemas.microsoft.com/office/drawing/2010/main" w="9525">
+                <a14:hiddenLine xmlns:a14="http://schemas.microsoft.com/office/drawing/2010/main" xmlns="" w="9525">
                   <a:solidFill>
                     <a:srgbClr val="000000"/>
                   </a:solidFill>
@@ -2064,7 +2064,7 @@
             </a:ln>
             <a:extLst>
               <a:ext uri="{91240B29-F687-4f45-9708-019B960494DF}">
-                <a14:hiddenLine xmlns="" xmlns:a14="http://schemas.microsoft.com/office/drawing/2010/main" w="9525">
+                <a14:hiddenLine xmlns:a14="http://schemas.microsoft.com/office/drawing/2010/main" xmlns="" w="9525">
                   <a:solidFill>
                     <a:srgbClr val="000000"/>
                   </a:solidFill>
@@ -2154,7 +2154,7 @@
             </a:ln>
             <a:extLst>
               <a:ext uri="{91240B29-F687-4f45-9708-019B960494DF}">
-                <a14:hiddenLine xmlns="" xmlns:a14="http://schemas.microsoft.com/office/drawing/2010/main" w="9525">
+                <a14:hiddenLine xmlns:a14="http://schemas.microsoft.com/office/drawing/2010/main" xmlns="" w="9525">
                   <a:solidFill>
                     <a:srgbClr val="000000"/>
                   </a:solidFill>
@@ -2222,7 +2222,7 @@
             </a:ln>
             <a:extLst>
               <a:ext uri="{91240B29-F687-4f45-9708-019B960494DF}">
-                <a14:hiddenLine xmlns="" xmlns:a14="http://schemas.microsoft.com/office/drawing/2010/main" w="9525">
+                <a14:hiddenLine xmlns:a14="http://schemas.microsoft.com/office/drawing/2010/main" xmlns="" w="9525">
                   <a:solidFill>
                     <a:srgbClr val="000000"/>
                   </a:solidFill>
@@ -2312,7 +2312,7 @@
             </a:ln>
             <a:extLst>
               <a:ext uri="{91240B29-F687-4f45-9708-019B960494DF}">
-                <a14:hiddenLine xmlns="" xmlns:a14="http://schemas.microsoft.com/office/drawing/2010/main" w="9525">
+                <a14:hiddenLine xmlns:a14="http://schemas.microsoft.com/office/drawing/2010/main" xmlns="" w="9525">
                   <a:solidFill>
                     <a:srgbClr val="000000"/>
                   </a:solidFill>
@@ -2346,7 +2346,7 @@
             </a:ln>
             <a:extLst>
               <a:ext uri="{91240B29-F687-4f45-9708-019B960494DF}">
-                <a14:hiddenLine xmlns="" xmlns:a14="http://schemas.microsoft.com/office/drawing/2010/main" w="9525">
+                <a14:hiddenLine xmlns:a14="http://schemas.microsoft.com/office/drawing/2010/main" xmlns="" w="9525">
                   <a:solidFill>
                     <a:srgbClr val="000000"/>
                   </a:solidFill>
@@ -2436,7 +2436,7 @@
             </a:ln>
             <a:extLst>
               <a:ext uri="{91240B29-F687-4f45-9708-019B960494DF}">
-                <a14:hiddenLine xmlns="" xmlns:a14="http://schemas.microsoft.com/office/drawing/2010/main" w="9525">
+                <a14:hiddenLine xmlns:a14="http://schemas.microsoft.com/office/drawing/2010/main" xmlns="" w="9525">
                   <a:solidFill>
                     <a:srgbClr val="000000"/>
                   </a:solidFill>
@@ -2498,7 +2498,7 @@
             </a:ln>
             <a:extLst>
               <a:ext uri="{91240B29-F687-4f45-9708-019B960494DF}">
-                <a14:hiddenLine xmlns="" xmlns:a14="http://schemas.microsoft.com/office/drawing/2010/main" w="9525">
+                <a14:hiddenLine xmlns:a14="http://schemas.microsoft.com/office/drawing/2010/main" xmlns="" w="9525">
                   <a:solidFill>
                     <a:srgbClr val="000000"/>
                   </a:solidFill>
@@ -2560,7 +2560,7 @@
             </a:ln>
             <a:extLst>
               <a:ext uri="{91240B29-F687-4f45-9708-019B960494DF}">
-                <a14:hiddenLine xmlns="" xmlns:a14="http://schemas.microsoft.com/office/drawing/2010/main" w="9525">
+                <a14:hiddenLine xmlns:a14="http://schemas.microsoft.com/office/drawing/2010/main" xmlns="" w="9525">
                   <a:solidFill>
                     <a:srgbClr val="000000"/>
                   </a:solidFill>
@@ -2650,7 +2650,7 @@
             </a:ln>
             <a:extLst>
               <a:ext uri="{91240B29-F687-4f45-9708-019B960494DF}">
-                <a14:hiddenLine xmlns="" xmlns:a14="http://schemas.microsoft.com/office/drawing/2010/main" w="9525">
+                <a14:hiddenLine xmlns:a14="http://schemas.microsoft.com/office/drawing/2010/main" xmlns="" w="9525">
                   <a:solidFill>
                     <a:srgbClr val="000000"/>
                   </a:solidFill>
@@ -2718,7 +2718,7 @@
             </a:ln>
             <a:extLst>
               <a:ext uri="{91240B29-F687-4f45-9708-019B960494DF}">
-                <a14:hiddenLine xmlns="" xmlns:a14="http://schemas.microsoft.com/office/drawing/2010/main" w="9525">
+                <a14:hiddenLine xmlns:a14="http://schemas.microsoft.com/office/drawing/2010/main" xmlns="" w="9525">
                   <a:solidFill>
                     <a:srgbClr val="000000"/>
                   </a:solidFill>
@@ -2780,7 +2780,7 @@
             </a:ln>
             <a:extLst>
               <a:ext uri="{91240B29-F687-4f45-9708-019B960494DF}">
-                <a14:hiddenLine xmlns="" xmlns:a14="http://schemas.microsoft.com/office/drawing/2010/main" w="9525">
+                <a14:hiddenLine xmlns:a14="http://schemas.microsoft.com/office/drawing/2010/main" xmlns="" w="9525">
                   <a:solidFill>
                     <a:srgbClr val="000000"/>
                   </a:solidFill>
@@ -2870,7 +2870,7 @@
             </a:ln>
             <a:extLst>
               <a:ext uri="{91240B29-F687-4f45-9708-019B960494DF}">
-                <a14:hiddenLine xmlns="" xmlns:a14="http://schemas.microsoft.com/office/drawing/2010/main" w="9525">
+                <a14:hiddenLine xmlns:a14="http://schemas.microsoft.com/office/drawing/2010/main" xmlns="" w="9525">
                   <a:solidFill>
                     <a:srgbClr val="000000"/>
                   </a:solidFill>
@@ -2932,7 +2932,7 @@
             </a:ln>
             <a:extLst>
               <a:ext uri="{91240B29-F687-4f45-9708-019B960494DF}">
-                <a14:hiddenLine xmlns="" xmlns:a14="http://schemas.microsoft.com/office/drawing/2010/main" w="9525">
+                <a14:hiddenLine xmlns:a14="http://schemas.microsoft.com/office/drawing/2010/main" xmlns="" w="9525">
                   <a:solidFill>
                     <a:srgbClr val="000000"/>
                   </a:solidFill>
@@ -3022,7 +3022,7 @@
             </a:ln>
             <a:extLst>
               <a:ext uri="{91240B29-F687-4f45-9708-019B960494DF}">
-                <a14:hiddenLine xmlns="" xmlns:a14="http://schemas.microsoft.com/office/drawing/2010/main" w="9525">
+                <a14:hiddenLine xmlns:a14="http://schemas.microsoft.com/office/drawing/2010/main" xmlns="" w="9525">
                   <a:solidFill>
                     <a:srgbClr val="000000"/>
                   </a:solidFill>
@@ -3084,7 +3084,7 @@
             </a:ln>
             <a:extLst>
               <a:ext uri="{91240B29-F687-4f45-9708-019B960494DF}">
-                <a14:hiddenLine xmlns="" xmlns:a14="http://schemas.microsoft.com/office/drawing/2010/main" w="9525">
+                <a14:hiddenLine xmlns:a14="http://schemas.microsoft.com/office/drawing/2010/main" xmlns="" w="9525">
                   <a:solidFill>
                     <a:srgbClr val="000000"/>
                   </a:solidFill>
@@ -3174,7 +3174,7 @@
             </a:ln>
             <a:extLst>
               <a:ext uri="{91240B29-F687-4f45-9708-019B960494DF}">
-                <a14:hiddenLine xmlns="" xmlns:a14="http://schemas.microsoft.com/office/drawing/2010/main" w="9525">
+                <a14:hiddenLine xmlns:a14="http://schemas.microsoft.com/office/drawing/2010/main" xmlns="" w="9525">
                   <a:solidFill>
                     <a:srgbClr val="000000"/>
                   </a:solidFill>
@@ -3208,7 +3208,7 @@
             </a:ln>
             <a:extLst>
               <a:ext uri="{91240B29-F687-4f45-9708-019B960494DF}">
-                <a14:hiddenLine xmlns="" xmlns:a14="http://schemas.microsoft.com/office/drawing/2010/main" w="9525">
+                <a14:hiddenLine xmlns:a14="http://schemas.microsoft.com/office/drawing/2010/main" xmlns="" w="9525">
                   <a:solidFill>
                     <a:srgbClr val="000000"/>
                   </a:solidFill>
@@ -3273,7 +3273,7 @@
             </a:ln>
             <a:extLst>
               <a:ext uri="{91240B29-F687-4f45-9708-019B960494DF}">
-                <a14:hiddenLine xmlns="" xmlns:a14="http://schemas.microsoft.com/office/drawing/2010/main" w="9525">
+                <a14:hiddenLine xmlns:a14="http://schemas.microsoft.com/office/drawing/2010/main" xmlns="" w="9525">
                   <a:solidFill>
                     <a:srgbClr val="000000"/>
                   </a:solidFill>
@@ -3363,7 +3363,7 @@
             </a:ln>
             <a:extLst>
               <a:ext uri="{91240B29-F687-4f45-9708-019B960494DF}">
-                <a14:hiddenLine xmlns="" xmlns:a14="http://schemas.microsoft.com/office/drawing/2010/main" w="9525">
+                <a14:hiddenLine xmlns:a14="http://schemas.microsoft.com/office/drawing/2010/main" xmlns="" w="9525">
                   <a:solidFill>
                     <a:srgbClr val="000000"/>
                   </a:solidFill>
@@ -3425,7 +3425,7 @@
             </a:ln>
             <a:extLst>
               <a:ext uri="{91240B29-F687-4f45-9708-019B960494DF}">
-                <a14:hiddenLine xmlns="" xmlns:a14="http://schemas.microsoft.com/office/drawing/2010/main" w="9525">
+                <a14:hiddenLine xmlns:a14="http://schemas.microsoft.com/office/drawing/2010/main" xmlns="" w="9525">
                   <a:solidFill>
                     <a:srgbClr val="000000"/>
                   </a:solidFill>
@@ -3515,7 +3515,7 @@
             </a:ln>
             <a:extLst>
               <a:ext uri="{91240B29-F687-4f45-9708-019B960494DF}">
-                <a14:hiddenLine xmlns="" xmlns:a14="http://schemas.microsoft.com/office/drawing/2010/main" w="9525">
+                <a14:hiddenLine xmlns:a14="http://schemas.microsoft.com/office/drawing/2010/main" xmlns="" w="9525">
                   <a:solidFill>
                     <a:srgbClr val="000000"/>
                   </a:solidFill>
@@ -3605,7 +3605,7 @@
             </a:ln>
             <a:extLst>
               <a:ext uri="{91240B29-F687-4f45-9708-019B960494DF}">
-                <a14:hiddenLine xmlns="" xmlns:a14="http://schemas.microsoft.com/office/drawing/2010/main" w="9525">
+                <a14:hiddenLine xmlns:a14="http://schemas.microsoft.com/office/drawing/2010/main" xmlns="" w="9525">
                   <a:solidFill>
                     <a:srgbClr val="000000"/>
                   </a:solidFill>
@@ -3670,7 +3670,7 @@
             </a:ln>
             <a:extLst>
               <a:ext uri="{91240B29-F687-4f45-9708-019B960494DF}">
-                <a14:hiddenLine xmlns="" xmlns:a14="http://schemas.microsoft.com/office/drawing/2010/main" w="9525">
+                <a14:hiddenLine xmlns:a14="http://schemas.microsoft.com/office/drawing/2010/main" xmlns="" w="9525">
                   <a:solidFill>
                     <a:srgbClr val="000000"/>
                   </a:solidFill>
@@ -3732,7 +3732,7 @@
             </a:ln>
             <a:extLst>
               <a:ext uri="{91240B29-F687-4f45-9708-019B960494DF}">
-                <a14:hiddenLine xmlns="" xmlns:a14="http://schemas.microsoft.com/office/drawing/2010/main" w="9525">
+                <a14:hiddenLine xmlns:a14="http://schemas.microsoft.com/office/drawing/2010/main" xmlns="" w="9525">
                   <a:solidFill>
                     <a:srgbClr val="000000"/>
                   </a:solidFill>
@@ -3822,7 +3822,7 @@
             </a:ln>
             <a:extLst>
               <a:ext uri="{91240B29-F687-4f45-9708-019B960494DF}">
-                <a14:hiddenLine xmlns="" xmlns:a14="http://schemas.microsoft.com/office/drawing/2010/main" w="9525">
+                <a14:hiddenLine xmlns:a14="http://schemas.microsoft.com/office/drawing/2010/main" xmlns="" w="9525">
                   <a:solidFill>
                     <a:srgbClr val="000000"/>
                   </a:solidFill>
@@ -3912,7 +3912,7 @@
             </a:ln>
             <a:extLst>
               <a:ext uri="{91240B29-F687-4f45-9708-019B960494DF}">
-                <a14:hiddenLine xmlns="" xmlns:a14="http://schemas.microsoft.com/office/drawing/2010/main" w="9525">
+                <a14:hiddenLine xmlns:a14="http://schemas.microsoft.com/office/drawing/2010/main" xmlns="" w="9525">
                   <a:solidFill>
                     <a:srgbClr val="000000"/>
                   </a:solidFill>
@@ -3974,7 +3974,7 @@
             </a:ln>
             <a:extLst>
               <a:ext uri="{91240B29-F687-4f45-9708-019B960494DF}">
-                <a14:hiddenLine xmlns="" xmlns:a14="http://schemas.microsoft.com/office/drawing/2010/main" w="9525">
+                <a14:hiddenLine xmlns:a14="http://schemas.microsoft.com/office/drawing/2010/main" xmlns="" w="9525">
                   <a:solidFill>
                     <a:srgbClr val="000000"/>
                   </a:solidFill>
@@ -4094,7 +4094,7 @@
             </a:ln>
             <a:extLst>
               <a:ext uri="{91240B29-F687-4f45-9708-019B960494DF}">
-                <a14:hiddenLine xmlns="" xmlns:a14="http://schemas.microsoft.com/office/drawing/2010/main" w="9525">
+                <a14:hiddenLine xmlns:a14="http://schemas.microsoft.com/office/drawing/2010/main" xmlns="" w="9525">
                   <a:solidFill>
                     <a:srgbClr val="000000"/>
                   </a:solidFill>
@@ -4162,7 +4162,7 @@
             </a:ln>
             <a:extLst>
               <a:ext uri="{91240B29-F687-4f45-9708-019B960494DF}">
-                <a14:hiddenLine xmlns="" xmlns:a14="http://schemas.microsoft.com/office/drawing/2010/main" w="9525">
+                <a14:hiddenLine xmlns:a14="http://schemas.microsoft.com/office/drawing/2010/main" xmlns="" w="9525">
                   <a:solidFill>
                     <a:srgbClr val="000000"/>
                   </a:solidFill>
@@ -4252,7 +4252,7 @@
             </a:ln>
             <a:extLst>
               <a:ext uri="{91240B29-F687-4f45-9708-019B960494DF}">
-                <a14:hiddenLine xmlns="" xmlns:a14="http://schemas.microsoft.com/office/drawing/2010/main" w="9525">
+                <a14:hiddenLine xmlns:a14="http://schemas.microsoft.com/office/drawing/2010/main" xmlns="" w="9525">
                   <a:solidFill>
                     <a:srgbClr val="000000"/>
                   </a:solidFill>
@@ -4392,7 +4392,7 @@
           <a:p>
             <a:fld id="{FB3E3867-EF81-47DA-A52A-FEC636BBF587}" type="datetimeFigureOut">
               <a:rPr lang="ru-UA" smtClean="0"/>
-              <a:t>28.10.2024</a:t>
+              <a:t>10/28/2024</a:t>
             </a:fld>
             <a:endParaRPr lang="ru-UA"/>
           </a:p>
@@ -4444,7 +4444,7 @@
           <a:p>
             <a:fld id="{FC6F9CE0-025D-49C7-8BFF-AFFFD309B977}" type="slidenum">
               <a:rPr lang="ru-UA" smtClean="0"/>
-              <a:t>‹№›</a:t>
+              <a:t>‹#›</a:t>
             </a:fld>
             <a:endParaRPr lang="ru-UA"/>
           </a:p>
@@ -4659,7 +4659,7 @@
           <a:p>
             <a:fld id="{FB3E3867-EF81-47DA-A52A-FEC636BBF587}" type="datetimeFigureOut">
               <a:rPr lang="ru-UA" smtClean="0"/>
-              <a:t>28.10.2024</a:t>
+              <a:t>10/28/2024</a:t>
             </a:fld>
             <a:endParaRPr lang="ru-UA"/>
           </a:p>
@@ -4701,7 +4701,7 @@
           <a:p>
             <a:fld id="{FC6F9CE0-025D-49C7-8BFF-AFFFD309B977}" type="slidenum">
               <a:rPr lang="ru-UA" smtClean="0"/>
-              <a:t>‹№›</a:t>
+              <a:t>‹#›</a:t>
             </a:fld>
             <a:endParaRPr lang="ru-UA"/>
           </a:p>
@@ -4855,7 +4855,7 @@
           <a:p>
             <a:fld id="{FB3E3867-EF81-47DA-A52A-FEC636BBF587}" type="datetimeFigureOut">
               <a:rPr lang="ru-UA" smtClean="0"/>
-              <a:t>28.10.2024</a:t>
+              <a:t>10/28/2024</a:t>
             </a:fld>
             <a:endParaRPr lang="ru-UA"/>
           </a:p>
@@ -4897,7 +4897,7 @@
           <a:p>
             <a:fld id="{FC6F9CE0-025D-49C7-8BFF-AFFFD309B977}" type="slidenum">
               <a:rPr lang="ru-UA" smtClean="0"/>
-              <a:t>‹№›</a:t>
+              <a:t>‹#›</a:t>
             </a:fld>
             <a:endParaRPr lang="ru-UA"/>
           </a:p>
@@ -5118,7 +5118,7 @@
           <a:p>
             <a:fld id="{FB3E3867-EF81-47DA-A52A-FEC636BBF587}" type="datetimeFigureOut">
               <a:rPr lang="ru-UA" smtClean="0"/>
-              <a:t>28.10.2024</a:t>
+              <a:t>10/28/2024</a:t>
             </a:fld>
             <a:endParaRPr lang="ru-UA"/>
           </a:p>
@@ -5160,7 +5160,7 @@
           <a:p>
             <a:fld id="{FC6F9CE0-025D-49C7-8BFF-AFFFD309B977}" type="slidenum">
               <a:rPr lang="ru-UA" smtClean="0"/>
-              <a:t>‹№›</a:t>
+              <a:t>‹#›</a:t>
             </a:fld>
             <a:endParaRPr lang="ru-UA"/>
           </a:p>
@@ -5552,7 +5552,7 @@
           <a:p>
             <a:fld id="{FB3E3867-EF81-47DA-A52A-FEC636BBF587}" type="datetimeFigureOut">
               <a:rPr lang="ru-UA" smtClean="0"/>
-              <a:t>28.10.2024</a:t>
+              <a:t>10/28/2024</a:t>
             </a:fld>
             <a:endParaRPr lang="ru-UA"/>
           </a:p>
@@ -5594,7 +5594,7 @@
           <a:p>
             <a:fld id="{FC6F9CE0-025D-49C7-8BFF-AFFFD309B977}" type="slidenum">
               <a:rPr lang="ru-UA" smtClean="0"/>
-              <a:t>‹№›</a:t>
+              <a:t>‹#›</a:t>
             </a:fld>
             <a:endParaRPr lang="ru-UA"/>
           </a:p>
@@ -6098,7 +6098,7 @@
           <a:p>
             <a:fld id="{FB3E3867-EF81-47DA-A52A-FEC636BBF587}" type="datetimeFigureOut">
               <a:rPr lang="ru-UA" smtClean="0"/>
-              <a:t>28.10.2024</a:t>
+              <a:t>10/28/2024</a:t>
             </a:fld>
             <a:endParaRPr lang="ru-UA"/>
           </a:p>
@@ -6140,7 +6140,7 @@
           <a:p>
             <a:fld id="{FC6F9CE0-025D-49C7-8BFF-AFFFD309B977}" type="slidenum">
               <a:rPr lang="ru-UA" smtClean="0"/>
-              <a:t>‹№›</a:t>
+              <a:t>‹#›</a:t>
             </a:fld>
             <a:endParaRPr lang="ru-UA"/>
           </a:p>
@@ -6818,7 +6818,7 @@
           <a:p>
             <a:fld id="{FB3E3867-EF81-47DA-A52A-FEC636BBF587}" type="datetimeFigureOut">
               <a:rPr lang="ru-UA" smtClean="0"/>
-              <a:t>28.10.2024</a:t>
+              <a:t>10/28/2024</a:t>
             </a:fld>
             <a:endParaRPr lang="ru-UA"/>
           </a:p>
@@ -6860,7 +6860,7 @@
           <a:p>
             <a:fld id="{FC6F9CE0-025D-49C7-8BFF-AFFFD309B977}" type="slidenum">
               <a:rPr lang="ru-UA" smtClean="0"/>
-              <a:t>‹№›</a:t>
+              <a:t>‹#›</a:t>
             </a:fld>
             <a:endParaRPr lang="ru-UA"/>
           </a:p>
@@ -6988,7 +6988,7 @@
           <a:p>
             <a:fld id="{FB3E3867-EF81-47DA-A52A-FEC636BBF587}" type="datetimeFigureOut">
               <a:rPr lang="ru-UA" smtClean="0"/>
-              <a:t>28.10.2024</a:t>
+              <a:t>10/28/2024</a:t>
             </a:fld>
             <a:endParaRPr lang="ru-UA"/>
           </a:p>
@@ -7030,7 +7030,7 @@
           <a:p>
             <a:fld id="{FC6F9CE0-025D-49C7-8BFF-AFFFD309B977}" type="slidenum">
               <a:rPr lang="ru-UA" smtClean="0"/>
-              <a:t>‹№›</a:t>
+              <a:t>‹#›</a:t>
             </a:fld>
             <a:endParaRPr lang="ru-UA"/>
           </a:p>
@@ -7168,7 +7168,7 @@
           <a:p>
             <a:fld id="{FB3E3867-EF81-47DA-A52A-FEC636BBF587}" type="datetimeFigureOut">
               <a:rPr lang="ru-UA" smtClean="0"/>
-              <a:t>28.10.2024</a:t>
+              <a:t>10/28/2024</a:t>
             </a:fld>
             <a:endParaRPr lang="ru-UA"/>
           </a:p>
@@ -7210,7 +7210,7 @@
           <a:p>
             <a:fld id="{FC6F9CE0-025D-49C7-8BFF-AFFFD309B977}" type="slidenum">
               <a:rPr lang="ru-UA" smtClean="0"/>
-              <a:t>‹№›</a:t>
+              <a:t>‹#›</a:t>
             </a:fld>
             <a:endParaRPr lang="ru-UA"/>
           </a:p>
@@ -7338,7 +7338,7 @@
           <a:p>
             <a:fld id="{FB3E3867-EF81-47DA-A52A-FEC636BBF587}" type="datetimeFigureOut">
               <a:rPr lang="ru-UA" smtClean="0"/>
-              <a:t>28.10.2024</a:t>
+              <a:t>10/28/2024</a:t>
             </a:fld>
             <a:endParaRPr lang="ru-UA"/>
           </a:p>
@@ -7380,7 +7380,7 @@
           <a:p>
             <a:fld id="{FC6F9CE0-025D-49C7-8BFF-AFFFD309B977}" type="slidenum">
               <a:rPr lang="ru-UA" smtClean="0"/>
-              <a:t>‹№›</a:t>
+              <a:t>‹#›</a:t>
             </a:fld>
             <a:endParaRPr lang="ru-UA"/>
           </a:p>
@@ -7588,7 +7588,7 @@
           <a:p>
             <a:fld id="{FB3E3867-EF81-47DA-A52A-FEC636BBF587}" type="datetimeFigureOut">
               <a:rPr lang="ru-UA" smtClean="0"/>
-              <a:t>28.10.2024</a:t>
+              <a:t>10/28/2024</a:t>
             </a:fld>
             <a:endParaRPr lang="ru-UA"/>
           </a:p>
@@ -7630,7 +7630,7 @@
           <a:p>
             <a:fld id="{FC6F9CE0-025D-49C7-8BFF-AFFFD309B977}" type="slidenum">
               <a:rPr lang="ru-UA" smtClean="0"/>
-              <a:t>‹№›</a:t>
+              <a:t>‹#›</a:t>
             </a:fld>
             <a:endParaRPr lang="ru-UA"/>
           </a:p>
@@ -7820,7 +7820,7 @@
           <a:p>
             <a:fld id="{FB3E3867-EF81-47DA-A52A-FEC636BBF587}" type="datetimeFigureOut">
               <a:rPr lang="ru-UA" smtClean="0"/>
-              <a:t>28.10.2024</a:t>
+              <a:t>10/28/2024</a:t>
             </a:fld>
             <a:endParaRPr lang="ru-UA"/>
           </a:p>
@@ -7862,7 +7862,7 @@
           <a:p>
             <a:fld id="{FC6F9CE0-025D-49C7-8BFF-AFFFD309B977}" type="slidenum">
               <a:rPr lang="ru-UA" smtClean="0"/>
-              <a:t>‹№›</a:t>
+              <a:t>‹#›</a:t>
             </a:fld>
             <a:endParaRPr lang="ru-UA"/>
           </a:p>
@@ -8201,7 +8201,7 @@
           <a:p>
             <a:fld id="{FB3E3867-EF81-47DA-A52A-FEC636BBF587}" type="datetimeFigureOut">
               <a:rPr lang="ru-UA" smtClean="0"/>
-              <a:t>28.10.2024</a:t>
+              <a:t>10/28/2024</a:t>
             </a:fld>
             <a:endParaRPr lang="ru-UA"/>
           </a:p>
@@ -8243,7 +8243,7 @@
           <a:p>
             <a:fld id="{FC6F9CE0-025D-49C7-8BFF-AFFFD309B977}" type="slidenum">
               <a:rPr lang="ru-UA" smtClean="0"/>
-              <a:t>‹№›</a:t>
+              <a:t>‹#›</a:t>
             </a:fld>
             <a:endParaRPr lang="ru-UA"/>
           </a:p>
@@ -8319,7 +8319,7 @@
           <a:p>
             <a:fld id="{FB3E3867-EF81-47DA-A52A-FEC636BBF587}" type="datetimeFigureOut">
               <a:rPr lang="ru-UA" smtClean="0"/>
-              <a:t>28.10.2024</a:t>
+              <a:t>10/28/2024</a:t>
             </a:fld>
             <a:endParaRPr lang="ru-UA"/>
           </a:p>
@@ -8361,7 +8361,7 @@
           <a:p>
             <a:fld id="{FC6F9CE0-025D-49C7-8BFF-AFFFD309B977}" type="slidenum">
               <a:rPr lang="ru-UA" smtClean="0"/>
-              <a:t>‹№›</a:t>
+              <a:t>‹#›</a:t>
             </a:fld>
             <a:endParaRPr lang="ru-UA"/>
           </a:p>
@@ -8414,7 +8414,7 @@
           <a:p>
             <a:fld id="{FB3E3867-EF81-47DA-A52A-FEC636BBF587}" type="datetimeFigureOut">
               <a:rPr lang="ru-UA" smtClean="0"/>
-              <a:t>28.10.2024</a:t>
+              <a:t>10/28/2024</a:t>
             </a:fld>
             <a:endParaRPr lang="ru-UA"/>
           </a:p>
@@ -8456,7 +8456,7 @@
           <a:p>
             <a:fld id="{FC6F9CE0-025D-49C7-8BFF-AFFFD309B977}" type="slidenum">
               <a:rPr lang="ru-UA" smtClean="0"/>
-              <a:t>‹№›</a:t>
+              <a:t>‹#›</a:t>
             </a:fld>
             <a:endParaRPr lang="ru-UA"/>
           </a:p>
@@ -8663,7 +8663,7 @@
           <a:p>
             <a:fld id="{FB3E3867-EF81-47DA-A52A-FEC636BBF587}" type="datetimeFigureOut">
               <a:rPr lang="ru-UA" smtClean="0"/>
-              <a:t>28.10.2024</a:t>
+              <a:t>10/28/2024</a:t>
             </a:fld>
             <a:endParaRPr lang="ru-UA"/>
           </a:p>
@@ -8705,7 +8705,7 @@
           <a:p>
             <a:fld id="{FC6F9CE0-025D-49C7-8BFF-AFFFD309B977}" type="slidenum">
               <a:rPr lang="ru-UA" smtClean="0"/>
-              <a:t>‹№›</a:t>
+              <a:t>‹#›</a:t>
             </a:fld>
             <a:endParaRPr lang="ru-UA"/>
           </a:p>
@@ -8943,7 +8943,7 @@
           <a:p>
             <a:fld id="{FB3E3867-EF81-47DA-A52A-FEC636BBF587}" type="datetimeFigureOut">
               <a:rPr lang="ru-UA" smtClean="0"/>
-              <a:t>28.10.2024</a:t>
+              <a:t>10/28/2024</a:t>
             </a:fld>
             <a:endParaRPr lang="ru-UA"/>
           </a:p>
@@ -8985,7 +8985,7 @@
           <a:p>
             <a:fld id="{FC6F9CE0-025D-49C7-8BFF-AFFFD309B977}" type="slidenum">
               <a:rPr lang="ru-UA" smtClean="0"/>
-              <a:t>‹№›</a:t>
+              <a:t>‹#›</a:t>
             </a:fld>
             <a:endParaRPr lang="ru-UA"/>
           </a:p>
@@ -9059,7 +9059,7 @@
           <a:noFill/>
           <a:extLst>
             <a:ext uri="{909E8E84-426E-40dd-AFC4-6F175D3DCCD1}">
-              <a14:hiddenFill xmlns="" xmlns:a14="http://schemas.microsoft.com/office/drawing/2010/main">
+              <a14:hiddenFill xmlns:a14="http://schemas.microsoft.com/office/drawing/2010/main" xmlns="">
                 <a:solidFill>
                   <a:srgbClr val="FFFFFF"/>
                 </a:solidFill>
@@ -9133,7 +9133,7 @@
               </a:ln>
               <a:extLst>
                 <a:ext uri="{91240B29-F687-4f45-9708-019B960494DF}">
-                  <a14:hiddenLine xmlns="" xmlns:a14="http://schemas.microsoft.com/office/drawing/2010/main" w="9525">
+                  <a14:hiddenLine xmlns:a14="http://schemas.microsoft.com/office/drawing/2010/main" xmlns="" w="9525">
                     <a:solidFill>
                       <a:srgbClr val="000000"/>
                     </a:solidFill>
@@ -9223,7 +9223,7 @@
               </a:ln>
               <a:extLst>
                 <a:ext uri="{91240B29-F687-4f45-9708-019B960494DF}">
-                  <a14:hiddenLine xmlns="" xmlns:a14="http://schemas.microsoft.com/office/drawing/2010/main" w="9525">
+                  <a14:hiddenLine xmlns:a14="http://schemas.microsoft.com/office/drawing/2010/main" xmlns="" w="9525">
                     <a:solidFill>
                       <a:srgbClr val="000000"/>
                     </a:solidFill>
@@ -9313,7 +9313,7 @@
               </a:ln>
               <a:extLst>
                 <a:ext uri="{91240B29-F687-4f45-9708-019B960494DF}">
-                  <a14:hiddenLine xmlns="" xmlns:a14="http://schemas.microsoft.com/office/drawing/2010/main" w="9525">
+                  <a14:hiddenLine xmlns:a14="http://schemas.microsoft.com/office/drawing/2010/main" xmlns="" w="9525">
                     <a:solidFill>
                       <a:srgbClr val="000000"/>
                     </a:solidFill>
@@ -9375,7 +9375,7 @@
               </a:ln>
               <a:extLst>
                 <a:ext uri="{91240B29-F687-4f45-9708-019B960494DF}">
-                  <a14:hiddenLine xmlns="" xmlns:a14="http://schemas.microsoft.com/office/drawing/2010/main" w="9525">
+                  <a14:hiddenLine xmlns:a14="http://schemas.microsoft.com/office/drawing/2010/main" xmlns="" w="9525">
                     <a:solidFill>
                       <a:srgbClr val="000000"/>
                     </a:solidFill>
@@ -9465,7 +9465,7 @@
               </a:ln>
               <a:extLst>
                 <a:ext uri="{91240B29-F687-4f45-9708-019B960494DF}">
-                  <a14:hiddenLine xmlns="" xmlns:a14="http://schemas.microsoft.com/office/drawing/2010/main" w="9525">
+                  <a14:hiddenLine xmlns:a14="http://schemas.microsoft.com/office/drawing/2010/main" xmlns="" w="9525">
                     <a:solidFill>
                       <a:srgbClr val="000000"/>
                     </a:solidFill>
@@ -9527,7 +9527,7 @@
               </a:ln>
               <a:extLst>
                 <a:ext uri="{91240B29-F687-4f45-9708-019B960494DF}">
-                  <a14:hiddenLine xmlns="" xmlns:a14="http://schemas.microsoft.com/office/drawing/2010/main" w="9525">
+                  <a14:hiddenLine xmlns:a14="http://schemas.microsoft.com/office/drawing/2010/main" xmlns="" w="9525">
                     <a:solidFill>
                       <a:srgbClr val="000000"/>
                     </a:solidFill>
@@ -9589,7 +9589,7 @@
               </a:ln>
               <a:extLst>
                 <a:ext uri="{91240B29-F687-4f45-9708-019B960494DF}">
-                  <a14:hiddenLine xmlns="" xmlns:a14="http://schemas.microsoft.com/office/drawing/2010/main" w="9525">
+                  <a14:hiddenLine xmlns:a14="http://schemas.microsoft.com/office/drawing/2010/main" xmlns="" w="9525">
                     <a:solidFill>
                       <a:srgbClr val="000000"/>
                     </a:solidFill>
@@ -9679,7 +9679,7 @@
               </a:ln>
               <a:extLst>
                 <a:ext uri="{91240B29-F687-4f45-9708-019B960494DF}">
-                  <a14:hiddenLine xmlns="" xmlns:a14="http://schemas.microsoft.com/office/drawing/2010/main" w="9525">
+                  <a14:hiddenLine xmlns:a14="http://schemas.microsoft.com/office/drawing/2010/main" xmlns="" w="9525">
                     <a:solidFill>
                       <a:srgbClr val="000000"/>
                     </a:solidFill>
@@ -9769,7 +9769,7 @@
               </a:ln>
               <a:extLst>
                 <a:ext uri="{91240B29-F687-4f45-9708-019B960494DF}">
-                  <a14:hiddenLine xmlns="" xmlns:a14="http://schemas.microsoft.com/office/drawing/2010/main" w="9525">
+                  <a14:hiddenLine xmlns:a14="http://schemas.microsoft.com/office/drawing/2010/main" xmlns="" w="9525">
                     <a:solidFill>
                       <a:srgbClr val="000000"/>
                     </a:solidFill>
@@ -9831,7 +9831,7 @@
               </a:ln>
               <a:extLst>
                 <a:ext uri="{91240B29-F687-4f45-9708-019B960494DF}">
-                  <a14:hiddenLine xmlns="" xmlns:a14="http://schemas.microsoft.com/office/drawing/2010/main" w="9525">
+                  <a14:hiddenLine xmlns:a14="http://schemas.microsoft.com/office/drawing/2010/main" xmlns="" w="9525">
                     <a:solidFill>
                       <a:srgbClr val="000000"/>
                     </a:solidFill>
@@ -9941,7 +9941,7 @@
               </a:ln>
               <a:extLst>
                 <a:ext uri="{91240B29-F687-4f45-9708-019B960494DF}">
-                  <a14:hiddenLine xmlns="" xmlns:a14="http://schemas.microsoft.com/office/drawing/2010/main" w="9525">
+                  <a14:hiddenLine xmlns:a14="http://schemas.microsoft.com/office/drawing/2010/main" xmlns="" w="9525">
                     <a:solidFill>
                       <a:srgbClr val="000000"/>
                     </a:solidFill>
@@ -10025,7 +10025,7 @@
               </a:ln>
               <a:extLst>
                 <a:ext uri="{91240B29-F687-4f45-9708-019B960494DF}">
-                  <a14:hiddenLine xmlns="" xmlns:a14="http://schemas.microsoft.com/office/drawing/2010/main" w="9525">
+                  <a14:hiddenLine xmlns:a14="http://schemas.microsoft.com/office/drawing/2010/main" xmlns="" w="9525">
                     <a:solidFill>
                       <a:srgbClr val="000000"/>
                     </a:solidFill>
@@ -10087,7 +10087,7 @@
               </a:ln>
               <a:extLst>
                 <a:ext uri="{91240B29-F687-4f45-9708-019B960494DF}">
-                  <a14:hiddenLine xmlns="" xmlns:a14="http://schemas.microsoft.com/office/drawing/2010/main" w="9525">
+                  <a14:hiddenLine xmlns:a14="http://schemas.microsoft.com/office/drawing/2010/main" xmlns="" w="9525">
                     <a:solidFill>
                       <a:srgbClr val="000000"/>
                     </a:solidFill>
@@ -10149,7 +10149,7 @@
               </a:ln>
               <a:extLst>
                 <a:ext uri="{91240B29-F687-4f45-9708-019B960494DF}">
-                  <a14:hiddenLine xmlns="" xmlns:a14="http://schemas.microsoft.com/office/drawing/2010/main" w="9525">
+                  <a14:hiddenLine xmlns:a14="http://schemas.microsoft.com/office/drawing/2010/main" xmlns="" w="9525">
                     <a:solidFill>
                       <a:srgbClr val="000000"/>
                     </a:solidFill>
@@ -10239,7 +10239,7 @@
               </a:ln>
               <a:extLst>
                 <a:ext uri="{91240B29-F687-4f45-9708-019B960494DF}">
-                  <a14:hiddenLine xmlns="" xmlns:a14="http://schemas.microsoft.com/office/drawing/2010/main" w="9525">
+                  <a14:hiddenLine xmlns:a14="http://schemas.microsoft.com/office/drawing/2010/main" xmlns="" w="9525">
                     <a:solidFill>
                       <a:srgbClr val="000000"/>
                     </a:solidFill>
@@ -10273,7 +10273,7 @@
               </a:ln>
               <a:extLst>
                 <a:ext uri="{91240B29-F687-4f45-9708-019B960494DF}">
-                  <a14:hiddenLine xmlns="" xmlns:a14="http://schemas.microsoft.com/office/drawing/2010/main" w="9525">
+                  <a14:hiddenLine xmlns:a14="http://schemas.microsoft.com/office/drawing/2010/main" xmlns="" w="9525">
                     <a:solidFill>
                       <a:srgbClr val="000000"/>
                     </a:solidFill>
@@ -10338,7 +10338,7 @@
               </a:ln>
               <a:extLst>
                 <a:ext uri="{91240B29-F687-4f45-9708-019B960494DF}">
-                  <a14:hiddenLine xmlns="" xmlns:a14="http://schemas.microsoft.com/office/drawing/2010/main" w="9525">
+                  <a14:hiddenLine xmlns:a14="http://schemas.microsoft.com/office/drawing/2010/main" xmlns="" w="9525">
                     <a:solidFill>
                       <a:srgbClr val="000000"/>
                     </a:solidFill>
@@ -10428,7 +10428,7 @@
               </a:ln>
               <a:extLst>
                 <a:ext uri="{91240B29-F687-4f45-9708-019B960494DF}">
-                  <a14:hiddenLine xmlns="" xmlns:a14="http://schemas.microsoft.com/office/drawing/2010/main" w="9525">
+                  <a14:hiddenLine xmlns:a14="http://schemas.microsoft.com/office/drawing/2010/main" xmlns="" w="9525">
                     <a:solidFill>
                       <a:srgbClr val="000000"/>
                     </a:solidFill>
@@ -10490,7 +10490,7 @@
               </a:ln>
               <a:extLst>
                 <a:ext uri="{91240B29-F687-4f45-9708-019B960494DF}">
-                  <a14:hiddenLine xmlns="" xmlns:a14="http://schemas.microsoft.com/office/drawing/2010/main" w="9525">
+                  <a14:hiddenLine xmlns:a14="http://schemas.microsoft.com/office/drawing/2010/main" xmlns="" w="9525">
                     <a:solidFill>
                       <a:srgbClr val="000000"/>
                     </a:solidFill>
@@ -10580,7 +10580,7 @@
               </a:ln>
               <a:extLst>
                 <a:ext uri="{91240B29-F687-4f45-9708-019B960494DF}">
-                  <a14:hiddenLine xmlns="" xmlns:a14="http://schemas.microsoft.com/office/drawing/2010/main" w="9525">
+                  <a14:hiddenLine xmlns:a14="http://schemas.microsoft.com/office/drawing/2010/main" xmlns="" w="9525">
                     <a:solidFill>
                       <a:srgbClr val="000000"/>
                     </a:solidFill>
@@ -10645,7 +10645,7 @@
               </a:ln>
               <a:extLst>
                 <a:ext uri="{91240B29-F687-4f45-9708-019B960494DF}">
-                  <a14:hiddenLine xmlns="" xmlns:a14="http://schemas.microsoft.com/office/drawing/2010/main" w="9525">
+                  <a14:hiddenLine xmlns:a14="http://schemas.microsoft.com/office/drawing/2010/main" xmlns="" w="9525">
                     <a:solidFill>
                       <a:srgbClr val="000000"/>
                     </a:solidFill>
@@ -10707,7 +10707,7 @@
               </a:ln>
               <a:extLst>
                 <a:ext uri="{91240B29-F687-4f45-9708-019B960494DF}">
-                  <a14:hiddenLine xmlns="" xmlns:a14="http://schemas.microsoft.com/office/drawing/2010/main" w="9525">
+                  <a14:hiddenLine xmlns:a14="http://schemas.microsoft.com/office/drawing/2010/main" xmlns="" w="9525">
                     <a:solidFill>
                       <a:srgbClr val="000000"/>
                     </a:solidFill>
@@ -10797,7 +10797,7 @@
               </a:ln>
               <a:extLst>
                 <a:ext uri="{91240B29-F687-4f45-9708-019B960494DF}">
-                  <a14:hiddenLine xmlns="" xmlns:a14="http://schemas.microsoft.com/office/drawing/2010/main" w="9525">
+                  <a14:hiddenLine xmlns:a14="http://schemas.microsoft.com/office/drawing/2010/main" xmlns="" w="9525">
                     <a:solidFill>
                       <a:srgbClr val="000000"/>
                     </a:solidFill>
@@ -10887,7 +10887,7 @@
               </a:ln>
               <a:extLst>
                 <a:ext uri="{91240B29-F687-4f45-9708-019B960494DF}">
-                  <a14:hiddenLine xmlns="" xmlns:a14="http://schemas.microsoft.com/office/drawing/2010/main" w="9525">
+                  <a14:hiddenLine xmlns:a14="http://schemas.microsoft.com/office/drawing/2010/main" xmlns="" w="9525">
                     <a:solidFill>
                       <a:srgbClr val="000000"/>
                     </a:solidFill>
@@ -10952,7 +10952,7 @@
               </a:ln>
               <a:extLst>
                 <a:ext uri="{91240B29-F687-4f45-9708-019B960494DF}">
-                  <a14:hiddenLine xmlns="" xmlns:a14="http://schemas.microsoft.com/office/drawing/2010/main" w="9525">
+                  <a14:hiddenLine xmlns:a14="http://schemas.microsoft.com/office/drawing/2010/main" xmlns="" w="9525">
                     <a:solidFill>
                       <a:srgbClr val="000000"/>
                     </a:solidFill>
@@ -11072,7 +11072,7 @@
               </a:ln>
               <a:extLst>
                 <a:ext uri="{91240B29-F687-4f45-9708-019B960494DF}">
-                  <a14:hiddenLine xmlns="" xmlns:a14="http://schemas.microsoft.com/office/drawing/2010/main" w="9525">
+                  <a14:hiddenLine xmlns:a14="http://schemas.microsoft.com/office/drawing/2010/main" xmlns="" w="9525">
                     <a:solidFill>
                       <a:srgbClr val="000000"/>
                     </a:solidFill>
@@ -11170,7 +11170,7 @@
               </a:ln>
               <a:extLst>
                 <a:ext uri="{91240B29-F687-4f45-9708-019B960494DF}">
-                  <a14:hiddenLine xmlns="" xmlns:a14="http://schemas.microsoft.com/office/drawing/2010/main" w="9525">
+                  <a14:hiddenLine xmlns:a14="http://schemas.microsoft.com/office/drawing/2010/main" xmlns="" w="9525">
                     <a:solidFill>
                       <a:srgbClr val="000000"/>
                     </a:solidFill>
@@ -11285,7 +11285,7 @@
               </a:ln>
               <a:extLst>
                 <a:ext uri="{91240B29-F687-4f45-9708-019B960494DF}">
-                  <a14:hiddenLine xmlns="" xmlns:a14="http://schemas.microsoft.com/office/drawing/2010/main" w="9525">
+                  <a14:hiddenLine xmlns:a14="http://schemas.microsoft.com/office/drawing/2010/main" xmlns="" w="9525">
                     <a:solidFill>
                       <a:srgbClr val="000000"/>
                     </a:solidFill>
@@ -11375,7 +11375,7 @@
               </a:ln>
               <a:extLst>
                 <a:ext uri="{91240B29-F687-4f45-9708-019B960494DF}">
-                  <a14:hiddenLine xmlns="" xmlns:a14="http://schemas.microsoft.com/office/drawing/2010/main" w="9525">
+                  <a14:hiddenLine xmlns:a14="http://schemas.microsoft.com/office/drawing/2010/main" xmlns="" w="9525">
                     <a:solidFill>
                       <a:srgbClr val="000000"/>
                     </a:solidFill>
@@ -11440,7 +11440,7 @@
               </a:ln>
               <a:extLst>
                 <a:ext uri="{91240B29-F687-4f45-9708-019B960494DF}">
-                  <a14:hiddenLine xmlns="" xmlns:a14="http://schemas.microsoft.com/office/drawing/2010/main" w="9525">
+                  <a14:hiddenLine xmlns:a14="http://schemas.microsoft.com/office/drawing/2010/main" xmlns="" w="9525">
                     <a:solidFill>
                       <a:srgbClr val="000000"/>
                     </a:solidFill>
@@ -11530,7 +11530,7 @@
               </a:ln>
               <a:extLst>
                 <a:ext uri="{91240B29-F687-4f45-9708-019B960494DF}">
-                  <a14:hiddenLine xmlns="" xmlns:a14="http://schemas.microsoft.com/office/drawing/2010/main" w="9525">
+                  <a14:hiddenLine xmlns:a14="http://schemas.microsoft.com/office/drawing/2010/main" xmlns="" w="9525">
                     <a:solidFill>
                       <a:srgbClr val="000000"/>
                     </a:solidFill>
@@ -11598,7 +11598,7 @@
               </a:ln>
               <a:extLst>
                 <a:ext uri="{91240B29-F687-4f45-9708-019B960494DF}">
-                  <a14:hiddenLine xmlns="" xmlns:a14="http://schemas.microsoft.com/office/drawing/2010/main" w="9525">
+                  <a14:hiddenLine xmlns:a14="http://schemas.microsoft.com/office/drawing/2010/main" xmlns="" w="9525">
                     <a:solidFill>
                       <a:srgbClr val="000000"/>
                     </a:solidFill>
@@ -11688,7 +11688,7 @@
               </a:ln>
               <a:extLst>
                 <a:ext uri="{91240B29-F687-4f45-9708-019B960494DF}">
-                  <a14:hiddenLine xmlns="" xmlns:a14="http://schemas.microsoft.com/office/drawing/2010/main" w="9525">
+                  <a14:hiddenLine xmlns:a14="http://schemas.microsoft.com/office/drawing/2010/main" xmlns="" w="9525">
                     <a:solidFill>
                       <a:srgbClr val="000000"/>
                     </a:solidFill>
@@ -11756,7 +11756,7 @@
               </a:ln>
               <a:extLst>
                 <a:ext uri="{91240B29-F687-4f45-9708-019B960494DF}">
-                  <a14:hiddenLine xmlns="" xmlns:a14="http://schemas.microsoft.com/office/drawing/2010/main" w="9525">
+                  <a14:hiddenLine xmlns:a14="http://schemas.microsoft.com/office/drawing/2010/main" xmlns="" w="9525">
                     <a:solidFill>
                       <a:srgbClr val="000000"/>
                     </a:solidFill>
@@ -11846,7 +11846,7 @@
               </a:ln>
               <a:extLst>
                 <a:ext uri="{91240B29-F687-4f45-9708-019B960494DF}">
-                  <a14:hiddenLine xmlns="" xmlns:a14="http://schemas.microsoft.com/office/drawing/2010/main" w="9525">
+                  <a14:hiddenLine xmlns:a14="http://schemas.microsoft.com/office/drawing/2010/main" xmlns="" w="9525">
                     <a:solidFill>
                       <a:srgbClr val="000000"/>
                     </a:solidFill>
@@ -11880,7 +11880,7 @@
               </a:ln>
               <a:extLst>
                 <a:ext uri="{91240B29-F687-4f45-9708-019B960494DF}">
-                  <a14:hiddenLine xmlns="" xmlns:a14="http://schemas.microsoft.com/office/drawing/2010/main" w="9525">
+                  <a14:hiddenLine xmlns:a14="http://schemas.microsoft.com/office/drawing/2010/main" xmlns="" w="9525">
                     <a:solidFill>
                       <a:srgbClr val="000000"/>
                     </a:solidFill>
@@ -12020,7 +12020,7 @@
           <a:p>
             <a:fld id="{FB3E3867-EF81-47DA-A52A-FEC636BBF587}" type="datetimeFigureOut">
               <a:rPr lang="ru-UA" smtClean="0"/>
-              <a:t>28.10.2024</a:t>
+              <a:t>10/28/2024</a:t>
             </a:fld>
             <a:endParaRPr lang="ru-UA"/>
           </a:p>
@@ -12098,7 +12098,7 @@
           <a:p>
             <a:fld id="{FC6F9CE0-025D-49C7-8BFF-AFFFD309B977}" type="slidenum">
               <a:rPr lang="ru-UA" smtClean="0"/>
-              <a:t>‹№›</a:t>
+              <a:t>‹#›</a:t>
             </a:fld>
             <a:endParaRPr lang="ru-UA"/>
           </a:p>
@@ -12716,13 +12716,13 @@
   <p:clrMapOvr>
     <a:masterClrMapping/>
   </p:clrMapOvr>
-  <mc:AlternateContent xmlns:mc="http://schemas.openxmlformats.org/markup-compatibility/2006" xmlns:p15="http://schemas.microsoft.com/office/powerpoint/2012/main">
-    <mc:Choice Requires="p15">
-      <p:transition xmlns:p14="http://schemas.microsoft.com/office/powerpoint/2010/main" spd="slow" p14:dur="2000">
-        <p15:prstTrans prst="drape"/>
+  <mc:AlternateContent xmlns:mc="http://schemas.openxmlformats.org/markup-compatibility/2006">
+    <mc:Choice xmlns:p14="http://schemas.microsoft.com/office/powerpoint/2010/main" Requires="p14">
+      <p:transition spd="slow" p14:dur="1600">
+        <p14:conveyor dir="l"/>
       </p:transition>
     </mc:Choice>
-    <mc:Fallback xmlns="">
+    <mc:Fallback>
       <p:transition spd="slow">
         <p:fade/>
       </p:transition>
@@ -12853,13 +12853,13 @@
   <p:clrMapOvr>
     <a:masterClrMapping/>
   </p:clrMapOvr>
-  <mc:AlternateContent xmlns:mc="http://schemas.openxmlformats.org/markup-compatibility/2006" xmlns:p15="http://schemas.microsoft.com/office/powerpoint/2012/main">
-    <mc:Choice Requires="p15">
-      <p:transition xmlns:p14="http://schemas.microsoft.com/office/powerpoint/2010/main" spd="slow" p14:dur="2000">
-        <p15:prstTrans prst="fracture"/>
+  <mc:AlternateContent xmlns:mc="http://schemas.openxmlformats.org/markup-compatibility/2006">
+    <mc:Choice xmlns:p14="http://schemas.microsoft.com/office/powerpoint/2010/main" Requires="p14">
+      <p:transition spd="slow" p14:dur="1600">
+        <p14:conveyor dir="l"/>
       </p:transition>
     </mc:Choice>
-    <mc:Fallback xmlns="">
+    <mc:Fallback>
       <p:transition spd="slow">
         <p:fade/>
       </p:transition>
@@ -13357,8 +13357,8 @@
   </p:clrMapOvr>
   <mc:AlternateContent xmlns:mc="http://schemas.openxmlformats.org/markup-compatibility/2006">
     <mc:Choice xmlns:p14="http://schemas.microsoft.com/office/powerpoint/2010/main" Requires="p14">
-      <p:transition spd="slow" p14:dur="4400">
-        <p14:honeycomb/>
+      <p:transition spd="slow" p14:dur="1600">
+        <p14:conveyor dir="l"/>
       </p:transition>
     </mc:Choice>
     <mc:Fallback>
@@ -13702,8 +13702,8 @@
   </p:clrMapOvr>
   <mc:AlternateContent xmlns:mc="http://schemas.openxmlformats.org/markup-compatibility/2006">
     <mc:Choice xmlns:p14="http://schemas.microsoft.com/office/powerpoint/2010/main" Requires="p14">
-      <p:transition spd="slow" p14:dur="2000">
-        <p14:ferris dir="l"/>
+      <p:transition spd="slow" p14:dur="1600">
+        <p14:conveyor dir="l"/>
       </p:transition>
     </mc:Choice>
     <mc:Fallback>
@@ -13790,9 +13790,9 @@
     <a:masterClrMapping/>
   </p:clrMapOvr>
   <mc:AlternateContent xmlns:mc="http://schemas.openxmlformats.org/markup-compatibility/2006">
-    <mc:Choice xmlns:p15="http://schemas.microsoft.com/office/powerpoint/2012/main" Requires="p15">
-      <p:transition xmlns:p14="http://schemas.microsoft.com/office/powerpoint/2010/main" spd="slow" p14:dur="2000">
-        <p15:prstTrans prst="wind"/>
+    <mc:Choice xmlns:p14="http://schemas.microsoft.com/office/powerpoint/2010/main" Requires="p14">
+      <p:transition spd="slow" p14:dur="1600">
+        <p14:conveyor dir="l"/>
       </p:transition>
     </mc:Choice>
     <mc:Fallback>
